--- a/강의 자료/HTML_.pptx
+++ b/강의 자료/HTML_.pptx
@@ -4951,7 +4951,7 @@
           <p:spPr>
             <a:xfrm>
               <a:off x="8114526" y="5102697"/>
-              <a:ext cx="7094198" cy="1464229"/>
+              <a:ext cx="6945945" cy="1464229"/>
             </a:xfrm>
             <a:prstGeom prst="rect">
               <a:avLst/>
@@ -6566,7 +6566,7 @@
         <p:spPr>
           <a:xfrm>
             <a:off x="2630740" y="1066664"/>
-            <a:ext cx="12070617" cy="3980305"/>
+            <a:ext cx="11800620" cy="3980305"/>
           </a:xfrm>
           <a:prstGeom prst="rect">
             <a:avLst/>
@@ -6944,7 +6944,7 @@
         <p:spPr>
           <a:xfrm>
             <a:off x="2630740" y="1066664"/>
-            <a:ext cx="11997645" cy="3980305"/>
+            <a:ext cx="11727647" cy="3980305"/>
           </a:xfrm>
           <a:prstGeom prst="rect">
             <a:avLst/>

--- a/강의 자료/HTML_.pptx
+++ b/강의 자료/HTML_.pptx
@@ -303,7 +303,7 @@
           <a:p>
             <a:fld id="{F8166F1F-CE9B-4651-A6AA-CD717754106B}" type="datetimeFigureOut">
               <a:rPr lang="en-US" smtClean="0"/>
-              <a:t>12/30/2021</a:t>
+              <a:t>3/11/2022</a:t>
             </a:fld>
             <a:endParaRPr lang="en-US"/>
           </a:p>
@@ -810,7 +810,7 @@
           <a:p>
             <a:fld id="{A76116CE-C4A3-4A05-B2D7-7C2E9A889C0F}" type="datetimeFigureOut">
               <a:rPr lang="en-US" smtClean="0"/>
-              <a:t>12/30/2021</a:t>
+              <a:t>3/11/2022</a:t>
             </a:fld>
             <a:endParaRPr lang="en-US"/>
           </a:p>
@@ -1051,7 +1051,7 @@
           <a:p>
             <a:fld id="{A76116CE-C4A3-4A05-B2D7-7C2E9A889C0F}" type="datetimeFigureOut">
               <a:rPr lang="en-US" smtClean="0"/>
-              <a:t>12/30/2021</a:t>
+              <a:t>3/11/2022</a:t>
             </a:fld>
             <a:endParaRPr lang="en-US"/>
           </a:p>
@@ -3169,7 +3169,7 @@
           <p:spPr>
             <a:xfrm>
               <a:off x="6817929" y="1371310"/>
-              <a:ext cx="3573205" cy="1642467"/>
+              <a:ext cx="3537071" cy="1398560"/>
             </a:xfrm>
             <a:prstGeom prst="rect">
               <a:avLst/>
@@ -3193,8 +3193,8 @@
         </p:blipFill>
         <p:spPr>
           <a:xfrm>
-            <a:off x="4915269" y="8779707"/>
-            <a:ext cx="5834273" cy="854321"/>
+            <a:off x="4843373" y="7735219"/>
+            <a:ext cx="6181768" cy="733648"/>
           </a:xfrm>
           <a:prstGeom prst="rect">
             <a:avLst/>
@@ -3335,7 +3335,7 @@
         <p:spPr>
           <a:xfrm>
             <a:off x="4308612" y="2711114"/>
-            <a:ext cx="9333995" cy="5133769"/>
+            <a:ext cx="9316882" cy="4596434"/>
           </a:xfrm>
           <a:prstGeom prst="rect">
             <a:avLst/>
@@ -3350,10 +3350,10 @@
         </p:nvGrpSpPr>
         <p:grpSpPr>
           <a:xfrm>
-            <a:off x="5473946" y="7600373"/>
-            <a:ext cx="7337823" cy="538310"/>
-            <a:chOff x="5473946" y="7600373"/>
-            <a:chExt cx="7337823" cy="538310"/>
+            <a:off x="13459511" y="6416262"/>
+            <a:ext cx="4826203" cy="6969246"/>
+            <a:chOff x="13459511" y="6416262"/>
+            <a:chExt cx="4826203" cy="6969246"/>
           </a:xfrm>
         </p:grpSpPr>
         <p:pic>
@@ -3372,8 +3372,8 @@
           </p:blipFill>
           <p:spPr>
             <a:xfrm>
-              <a:off x="5473946" y="7600373"/>
-              <a:ext cx="7337823" cy="538310"/>
+              <a:off x="13459511" y="6416262"/>
+              <a:ext cx="4826203" cy="6969246"/>
             </a:xfrm>
             <a:prstGeom prst="rect">
               <a:avLst/>
@@ -3397,8 +3397,8 @@
         </p:blipFill>
         <p:spPr>
           <a:xfrm>
-            <a:off x="4189156" y="6952232"/>
-            <a:ext cx="10054513" cy="1650750"/>
+            <a:off x="4189159" y="6188596"/>
+            <a:ext cx="10018197" cy="1491040"/>
           </a:xfrm>
           <a:prstGeom prst="rect">
             <a:avLst/>
@@ -3437,45 +3437,6 @@
             <a:xfrm rot="-1380000">
               <a:off x="179560" y="2746876"/>
               <a:ext cx="2913610" cy="3120332"/>
-            </a:xfrm>
-            <a:prstGeom prst="rect">
-              <a:avLst/>
-            </a:prstGeom>
-          </p:spPr>
-        </p:pic>
-      </p:grpSp>
-      <p:grpSp>
-        <p:nvGrpSpPr>
-          <p:cNvPr id="1009" name="그룹 1009"/>
-          <p:cNvGrpSpPr/>
-          <p:nvPr/>
-        </p:nvGrpSpPr>
-        <p:grpSpPr>
-          <a:xfrm>
-            <a:off x="12271256" y="4700370"/>
-            <a:ext cx="6014458" cy="8685138"/>
-            <a:chOff x="12271256" y="4700370"/>
-            <a:chExt cx="6014458" cy="8685138"/>
-          </a:xfrm>
-        </p:grpSpPr>
-        <p:pic>
-          <p:nvPicPr>
-            <p:cNvPr id="30" name="Object 29"/>
-            <p:cNvPicPr>
-              <a:picLocks noChangeAspect="1"/>
-            </p:cNvPicPr>
-            <p:nvPr/>
-          </p:nvPicPr>
-          <p:blipFill>
-            <a:blip r:embed="rId13" cstate="print"/>
-            <a:stretch>
-              <a:fillRect/>
-            </a:stretch>
-          </p:blipFill>
-          <p:spPr>
-            <a:xfrm>
-              <a:off x="12271256" y="4700370"/>
-              <a:ext cx="6014458" cy="8685138"/>
             </a:xfrm>
             <a:prstGeom prst="rect">
               <a:avLst/>
@@ -3625,7 +3586,7 @@
           <p:spPr>
             <a:xfrm>
               <a:off x="7465746" y="306994"/>
-              <a:ext cx="3276651" cy="1200971"/>
+              <a:ext cx="3209397" cy="1049349"/>
             </a:xfrm>
             <a:prstGeom prst="rect">
               <a:avLst/>
@@ -3845,7 +3806,7 @@
         <p:spPr>
           <a:xfrm>
             <a:off x="2752913" y="1163460"/>
-            <a:ext cx="12748677" cy="6119069"/>
+            <a:ext cx="12716625" cy="5767951"/>
           </a:xfrm>
           <a:prstGeom prst="rect">
             <a:avLst/>
@@ -3869,7 +3830,7 @@
         <p:spPr>
           <a:xfrm>
             <a:off x="4885878" y="6167678"/>
-            <a:ext cx="6996107" cy="1142830"/>
+            <a:ext cx="6720684" cy="1004833"/>
           </a:xfrm>
           <a:prstGeom prst="rect">
             <a:avLst/>
@@ -4082,7 +4043,7 @@
         <p:spPr>
           <a:xfrm>
             <a:off x="2752913" y="1249033"/>
-            <a:ext cx="13190846" cy="6017080"/>
+            <a:ext cx="13190846" cy="5661591"/>
           </a:xfrm>
           <a:prstGeom prst="rect">
             <a:avLst/>
@@ -4223,7 +4184,7 @@
         <p:spPr>
           <a:xfrm>
             <a:off x="4839354" y="984202"/>
-            <a:ext cx="8143790" cy="1142830"/>
+            <a:ext cx="8143790" cy="1009976"/>
           </a:xfrm>
           <a:prstGeom prst="rect">
             <a:avLst/>
@@ -4436,7 +4397,7 @@
         <p:spPr>
           <a:xfrm>
             <a:off x="950669" y="460716"/>
-            <a:ext cx="6415476" cy="5133769"/>
+            <a:ext cx="6415476" cy="4716223"/>
           </a:xfrm>
           <a:prstGeom prst="rect">
             <a:avLst/>
@@ -4669,7 +4630,7 @@
           <p:spPr>
             <a:xfrm>
               <a:off x="8019755" y="1923907"/>
-              <a:ext cx="5505067" cy="1464229"/>
+              <a:ext cx="5505067" cy="1269852"/>
             </a:xfrm>
             <a:prstGeom prst="rect">
               <a:avLst/>
@@ -4732,7 +4693,7 @@
           <p:spPr>
             <a:xfrm>
               <a:off x="6808123" y="1761946"/>
-              <a:ext cx="1274785" cy="1737216"/>
+              <a:ext cx="1266967" cy="1464473"/>
             </a:xfrm>
             <a:prstGeom prst="rect">
               <a:avLst/>
@@ -4810,7 +4771,7 @@
           <p:spPr>
             <a:xfrm>
               <a:off x="8114526" y="3513297"/>
-              <a:ext cx="6537791" cy="1464229"/>
+              <a:ext cx="6486543" cy="1322564"/>
             </a:xfrm>
             <a:prstGeom prst="rect">
               <a:avLst/>
@@ -4873,7 +4834,7 @@
           <p:spPr>
             <a:xfrm>
               <a:off x="6808126" y="3351345"/>
-              <a:ext cx="1300843" cy="1737216"/>
+              <a:ext cx="1300843" cy="1464473"/>
             </a:xfrm>
             <a:prstGeom prst="rect">
               <a:avLst/>
@@ -4951,7 +4912,7 @@
           <p:spPr>
             <a:xfrm>
               <a:off x="8114526" y="5102697"/>
-              <a:ext cx="6945945" cy="1464229"/>
+              <a:ext cx="6913732" cy="1322564"/>
             </a:xfrm>
             <a:prstGeom prst="rect">
               <a:avLst/>
@@ -5014,7 +4975,7 @@
           <p:spPr>
             <a:xfrm>
               <a:off x="6808126" y="4940743"/>
-              <a:ext cx="1300843" cy="1737216"/>
+              <a:ext cx="1299106" cy="1479240"/>
             </a:xfrm>
             <a:prstGeom prst="rect">
               <a:avLst/>
@@ -5092,7 +5053,7 @@
           <p:spPr>
             <a:xfrm>
               <a:off x="8114526" y="6692097"/>
-              <a:ext cx="4435523" cy="1464229"/>
+              <a:ext cx="4426738" cy="1109519"/>
             </a:xfrm>
             <a:prstGeom prst="rect">
               <a:avLst/>
@@ -5155,7 +5116,7 @@
           <p:spPr>
             <a:xfrm>
               <a:off x="6808129" y="6530142"/>
-              <a:ext cx="1312570" cy="1737218"/>
+              <a:ext cx="1281300" cy="1464474"/>
             </a:xfrm>
             <a:prstGeom prst="rect">
               <a:avLst/>
@@ -5272,7 +5233,7 @@
           <p:spPr>
             <a:xfrm>
               <a:off x="8114526" y="8281497"/>
-              <a:ext cx="6108406" cy="1464229"/>
+              <a:ext cx="6026409" cy="1279370"/>
             </a:xfrm>
             <a:prstGeom prst="rect">
               <a:avLst/>
@@ -5335,7 +5296,7 @@
           <p:spPr>
             <a:xfrm>
               <a:off x="6808129" y="8119535"/>
-              <a:ext cx="1302581" cy="1737218"/>
+              <a:ext cx="1302581" cy="1479241"/>
             </a:xfrm>
             <a:prstGeom prst="rect">
               <a:avLst/>
@@ -5432,7 +5393,7 @@
         <p:spPr>
           <a:xfrm>
             <a:off x="2630740" y="1066664"/>
-            <a:ext cx="11645388" cy="3980305"/>
+            <a:ext cx="11616199" cy="3656574"/>
           </a:xfrm>
           <a:prstGeom prst="rect">
             <a:avLst/>
@@ -5548,7 +5509,7 @@
           <p:spPr>
             <a:xfrm>
               <a:off x="7451730" y="306994"/>
-              <a:ext cx="3608927" cy="1200973"/>
+              <a:ext cx="3555686" cy="1049350"/>
             </a:xfrm>
             <a:prstGeom prst="rect">
               <a:avLst/>
@@ -5611,8 +5572,8 @@
         </p:blipFill>
         <p:spPr>
           <a:xfrm>
-            <a:off x="7066666" y="6979145"/>
-            <a:ext cx="9105245" cy="2352703"/>
+            <a:off x="7410316" y="6979144"/>
+            <a:ext cx="8627646" cy="2337870"/>
           </a:xfrm>
           <a:prstGeom prst="rect">
             <a:avLst/>
@@ -5713,8 +5674,8 @@
         </p:blipFill>
         <p:spPr>
           <a:xfrm>
-            <a:off x="7120396" y="3972591"/>
-            <a:ext cx="7727725" cy="2805935"/>
+            <a:off x="6446519" y="3972596"/>
+            <a:ext cx="9487180" cy="2636264"/>
           </a:xfrm>
           <a:prstGeom prst="rect">
             <a:avLst/>
@@ -5810,7 +5771,7 @@
         <p:spPr>
           <a:xfrm>
             <a:off x="2630740" y="1066664"/>
-            <a:ext cx="11252665" cy="3980305"/>
+            <a:ext cx="11252665" cy="3805172"/>
           </a:xfrm>
           <a:prstGeom prst="rect">
             <a:avLst/>
@@ -5926,7 +5887,7 @@
           <p:spPr>
             <a:xfrm>
               <a:off x="7451730" y="306994"/>
-              <a:ext cx="3608927" cy="1200973"/>
+              <a:ext cx="3555686" cy="1049350"/>
             </a:xfrm>
             <a:prstGeom prst="rect">
               <a:avLst/>
@@ -5973,126 +5934,102 @@
           </p:spPr>
         </p:pic>
       </p:grpSp>
+      <p:grpSp>
+        <p:nvGrpSpPr>
+          <p:cNvPr id="1006" name="그룹 1006"/>
+          <p:cNvGrpSpPr/>
+          <p:nvPr/>
+        </p:nvGrpSpPr>
+        <p:grpSpPr>
+          <a:xfrm>
+            <a:off x="2779996" y="1674959"/>
+            <a:ext cx="572417" cy="572417"/>
+            <a:chOff x="2779996" y="1674959"/>
+            <a:chExt cx="572417" cy="572417"/>
+          </a:xfrm>
+        </p:grpSpPr>
+        <p:pic>
+          <p:nvPicPr>
+            <p:cNvPr id="19" name="Object 18"/>
+            <p:cNvPicPr>
+              <a:picLocks noChangeAspect="1"/>
+            </p:cNvPicPr>
+            <p:nvPr/>
+          </p:nvPicPr>
+          <p:blipFill>
+            <a:blip r:embed="rId8" cstate="print"/>
+            <a:stretch>
+              <a:fillRect/>
+            </a:stretch>
+          </p:blipFill>
+          <p:spPr>
+            <a:xfrm rot="-1140000">
+              <a:off x="2779996" y="1674959"/>
+              <a:ext cx="572417" cy="572417"/>
+            </a:xfrm>
+            <a:prstGeom prst="rect">
+              <a:avLst/>
+            </a:prstGeom>
+          </p:spPr>
+        </p:pic>
+      </p:grpSp>
+      <p:grpSp>
+        <p:nvGrpSpPr>
+          <p:cNvPr id="1007" name="그룹 1007"/>
+          <p:cNvGrpSpPr/>
+          <p:nvPr/>
+        </p:nvGrpSpPr>
+        <p:grpSpPr>
+          <a:xfrm>
+            <a:off x="14705687" y="2961384"/>
+            <a:ext cx="418120" cy="418120"/>
+            <a:chOff x="14705687" y="2961384"/>
+            <a:chExt cx="418120" cy="418120"/>
+          </a:xfrm>
+        </p:grpSpPr>
+        <p:pic>
+          <p:nvPicPr>
+            <p:cNvPr id="22" name="Object 21"/>
+            <p:cNvPicPr>
+              <a:picLocks noChangeAspect="1"/>
+            </p:cNvPicPr>
+            <p:nvPr/>
+          </p:nvPicPr>
+          <p:blipFill>
+            <a:blip r:embed="rId9" cstate="print"/>
+            <a:stretch>
+              <a:fillRect/>
+            </a:stretch>
+          </p:blipFill>
+          <p:spPr>
+            <a:xfrm rot="1380000">
+              <a:off x="14705687" y="2961384"/>
+              <a:ext cx="418120" cy="418120"/>
+            </a:xfrm>
+            <a:prstGeom prst="rect">
+              <a:avLst/>
+            </a:prstGeom>
+          </p:spPr>
+        </p:pic>
+      </p:grpSp>
       <p:pic>
         <p:nvPicPr>
-          <p:cNvPr id="18" name="Object 17"/>
+          <p:cNvPr id="24" name="Object 23"/>
           <p:cNvPicPr>
             <a:picLocks noChangeAspect="1"/>
           </p:cNvPicPr>
           <p:nvPr/>
         </p:nvPicPr>
         <p:blipFill>
-          <a:blip r:embed="rId8" cstate="print"/>
+          <a:blip r:embed="rId10" cstate="print"/>
           <a:stretch>
             <a:fillRect/>
           </a:stretch>
         </p:blipFill>
         <p:spPr>
           <a:xfrm>
-            <a:off x="7190973" y="6979144"/>
-            <a:ext cx="9189764" cy="1893540"/>
-          </a:xfrm>
-          <a:prstGeom prst="rect">
-            <a:avLst/>
-          </a:prstGeom>
-        </p:spPr>
-      </p:pic>
-      <p:grpSp>
-        <p:nvGrpSpPr>
-          <p:cNvPr id="1006" name="그룹 1006"/>
-          <p:cNvGrpSpPr/>
-          <p:nvPr/>
-        </p:nvGrpSpPr>
-        <p:grpSpPr>
-          <a:xfrm>
-            <a:off x="2779996" y="1674959"/>
-            <a:ext cx="572417" cy="572417"/>
-            <a:chOff x="2779996" y="1674959"/>
-            <a:chExt cx="572417" cy="572417"/>
-          </a:xfrm>
-        </p:grpSpPr>
-        <p:pic>
-          <p:nvPicPr>
-            <p:cNvPr id="20" name="Object 19"/>
-            <p:cNvPicPr>
-              <a:picLocks noChangeAspect="1"/>
-            </p:cNvPicPr>
-            <p:nvPr/>
-          </p:nvPicPr>
-          <p:blipFill>
-            <a:blip r:embed="rId9" cstate="print"/>
-            <a:stretch>
-              <a:fillRect/>
-            </a:stretch>
-          </p:blipFill>
-          <p:spPr>
-            <a:xfrm rot="-1140000">
-              <a:off x="2779996" y="1674959"/>
-              <a:ext cx="572417" cy="572417"/>
-            </a:xfrm>
-            <a:prstGeom prst="rect">
-              <a:avLst/>
-            </a:prstGeom>
-          </p:spPr>
-        </p:pic>
-      </p:grpSp>
-      <p:grpSp>
-        <p:nvGrpSpPr>
-          <p:cNvPr id="1007" name="그룹 1007"/>
-          <p:cNvGrpSpPr/>
-          <p:nvPr/>
-        </p:nvGrpSpPr>
-        <p:grpSpPr>
-          <a:xfrm>
-            <a:off x="14705687" y="2961384"/>
-            <a:ext cx="418120" cy="418120"/>
-            <a:chOff x="14705687" y="2961384"/>
-            <a:chExt cx="418120" cy="418120"/>
-          </a:xfrm>
-        </p:grpSpPr>
-        <p:pic>
-          <p:nvPicPr>
-            <p:cNvPr id="23" name="Object 22"/>
-            <p:cNvPicPr>
-              <a:picLocks noChangeAspect="1"/>
-            </p:cNvPicPr>
-            <p:nvPr/>
-          </p:nvPicPr>
-          <p:blipFill>
-            <a:blip r:embed="rId10" cstate="print"/>
-            <a:stretch>
-              <a:fillRect/>
-            </a:stretch>
-          </p:blipFill>
-          <p:spPr>
-            <a:xfrm rot="1380000">
-              <a:off x="14705687" y="2961384"/>
-              <a:ext cx="418120" cy="418120"/>
-            </a:xfrm>
-            <a:prstGeom prst="rect">
-              <a:avLst/>
-            </a:prstGeom>
-          </p:spPr>
-        </p:pic>
-      </p:grpSp>
-      <p:pic>
-        <p:nvPicPr>
-          <p:cNvPr id="25" name="Object 24"/>
-          <p:cNvPicPr>
-            <a:picLocks noChangeAspect="1"/>
-          </p:cNvPicPr>
-          <p:nvPr/>
-        </p:nvPicPr>
-        <p:blipFill>
-          <a:blip r:embed="rId11" cstate="print"/>
-          <a:stretch>
-            <a:fillRect/>
-          </a:stretch>
-        </p:blipFill>
-        <p:spPr>
-          <a:xfrm>
-            <a:off x="7160498" y="4678003"/>
-            <a:ext cx="7928492" cy="1950427"/>
+            <a:off x="7160497" y="5249431"/>
+            <a:ext cx="7556694" cy="2540128"/>
           </a:xfrm>
           <a:prstGeom prst="rect">
             <a:avLst/>
@@ -6188,7 +6125,7 @@
         <p:spPr>
           <a:xfrm>
             <a:off x="2630740" y="1066664"/>
-            <a:ext cx="11628803" cy="3980305"/>
+            <a:ext cx="11566445" cy="3805172"/>
           </a:xfrm>
           <a:prstGeom prst="rect">
             <a:avLst/>
@@ -6304,7 +6241,7 @@
           <p:spPr>
             <a:xfrm>
               <a:off x="7451730" y="306994"/>
-              <a:ext cx="3608927" cy="1200973"/>
+              <a:ext cx="3555686" cy="1049350"/>
             </a:xfrm>
             <a:prstGeom prst="rect">
               <a:avLst/>
@@ -6321,9 +6258,9 @@
         <p:grpSpPr>
           <a:xfrm>
             <a:off x="1612413" y="4096159"/>
-            <a:ext cx="4782185" cy="5887875"/>
+            <a:ext cx="4881657" cy="5420194"/>
             <a:chOff x="1612413" y="4096159"/>
-            <a:chExt cx="4782185" cy="5887875"/>
+            <a:chExt cx="4881657" cy="5420194"/>
           </a:xfrm>
         </p:grpSpPr>
         <p:pic>
@@ -6343,7 +6280,85 @@
           <p:spPr>
             <a:xfrm>
               <a:off x="1612413" y="4096159"/>
-              <a:ext cx="4782185" cy="5887875"/>
+              <a:ext cx="4881657" cy="5420194"/>
+            </a:xfrm>
+            <a:prstGeom prst="rect">
+              <a:avLst/>
+            </a:prstGeom>
+          </p:spPr>
+        </p:pic>
+      </p:grpSp>
+      <p:grpSp>
+        <p:nvGrpSpPr>
+          <p:cNvPr id="1006" name="그룹 1006"/>
+          <p:cNvGrpSpPr/>
+          <p:nvPr/>
+        </p:nvGrpSpPr>
+        <p:grpSpPr>
+          <a:xfrm>
+            <a:off x="2779996" y="1674959"/>
+            <a:ext cx="572417" cy="572417"/>
+            <a:chOff x="2779996" y="1674959"/>
+            <a:chExt cx="572417" cy="572417"/>
+          </a:xfrm>
+        </p:grpSpPr>
+        <p:pic>
+          <p:nvPicPr>
+            <p:cNvPr id="19" name="Object 18"/>
+            <p:cNvPicPr>
+              <a:picLocks noChangeAspect="1"/>
+            </p:cNvPicPr>
+            <p:nvPr/>
+          </p:nvPicPr>
+          <p:blipFill>
+            <a:blip r:embed="rId8" cstate="print"/>
+            <a:stretch>
+              <a:fillRect/>
+            </a:stretch>
+          </p:blipFill>
+          <p:spPr>
+            <a:xfrm rot="-1140000">
+              <a:off x="2779996" y="1674959"/>
+              <a:ext cx="572417" cy="572417"/>
+            </a:xfrm>
+            <a:prstGeom prst="rect">
+              <a:avLst/>
+            </a:prstGeom>
+          </p:spPr>
+        </p:pic>
+      </p:grpSp>
+      <p:grpSp>
+        <p:nvGrpSpPr>
+          <p:cNvPr id="1007" name="그룹 1007"/>
+          <p:cNvGrpSpPr/>
+          <p:nvPr/>
+        </p:nvGrpSpPr>
+        <p:grpSpPr>
+          <a:xfrm>
+            <a:off x="14705687" y="2961384"/>
+            <a:ext cx="418120" cy="418120"/>
+            <a:chOff x="14705687" y="2961384"/>
+            <a:chExt cx="418120" cy="418120"/>
+          </a:xfrm>
+        </p:grpSpPr>
+        <p:pic>
+          <p:nvPicPr>
+            <p:cNvPr id="22" name="Object 21"/>
+            <p:cNvPicPr>
+              <a:picLocks noChangeAspect="1"/>
+            </p:cNvPicPr>
+            <p:nvPr/>
+          </p:nvPicPr>
+          <p:blipFill>
+            <a:blip r:embed="rId9" cstate="print"/>
+            <a:stretch>
+              <a:fillRect/>
+            </a:stretch>
+          </p:blipFill>
+          <p:spPr>
+            <a:xfrm rot="1380000">
+              <a:off x="14705687" y="2961384"/>
+              <a:ext cx="418120" cy="418120"/>
             </a:xfrm>
             <a:prstGeom prst="rect">
               <a:avLst/>
@@ -6353,124 +6368,22 @@
       </p:grpSp>
       <p:pic>
         <p:nvPicPr>
-          <p:cNvPr id="18" name="Object 17"/>
+          <p:cNvPr id="24" name="Object 23"/>
           <p:cNvPicPr>
             <a:picLocks noChangeAspect="1"/>
           </p:cNvPicPr>
           <p:nvPr/>
         </p:nvPicPr>
         <p:blipFill>
-          <a:blip r:embed="rId8" cstate="print"/>
+          <a:blip r:embed="rId10" cstate="print"/>
           <a:stretch>
             <a:fillRect/>
           </a:stretch>
         </p:blipFill>
         <p:spPr>
           <a:xfrm>
-            <a:off x="7190973" y="6979144"/>
-            <a:ext cx="9125156" cy="1893540"/>
-          </a:xfrm>
-          <a:prstGeom prst="rect">
-            <a:avLst/>
-          </a:prstGeom>
-        </p:spPr>
-      </p:pic>
-      <p:grpSp>
-        <p:nvGrpSpPr>
-          <p:cNvPr id="1006" name="그룹 1006"/>
-          <p:cNvGrpSpPr/>
-          <p:nvPr/>
-        </p:nvGrpSpPr>
-        <p:grpSpPr>
-          <a:xfrm>
-            <a:off x="2779996" y="1674959"/>
-            <a:ext cx="572417" cy="572417"/>
-            <a:chOff x="2779996" y="1674959"/>
-            <a:chExt cx="572417" cy="572417"/>
-          </a:xfrm>
-        </p:grpSpPr>
-        <p:pic>
-          <p:nvPicPr>
-            <p:cNvPr id="20" name="Object 19"/>
-            <p:cNvPicPr>
-              <a:picLocks noChangeAspect="1"/>
-            </p:cNvPicPr>
-            <p:nvPr/>
-          </p:nvPicPr>
-          <p:blipFill>
-            <a:blip r:embed="rId9" cstate="print"/>
-            <a:stretch>
-              <a:fillRect/>
-            </a:stretch>
-          </p:blipFill>
-          <p:spPr>
-            <a:xfrm rot="-1140000">
-              <a:off x="2779996" y="1674959"/>
-              <a:ext cx="572417" cy="572417"/>
-            </a:xfrm>
-            <a:prstGeom prst="rect">
-              <a:avLst/>
-            </a:prstGeom>
-          </p:spPr>
-        </p:pic>
-      </p:grpSp>
-      <p:grpSp>
-        <p:nvGrpSpPr>
-          <p:cNvPr id="1007" name="그룹 1007"/>
-          <p:cNvGrpSpPr/>
-          <p:nvPr/>
-        </p:nvGrpSpPr>
-        <p:grpSpPr>
-          <a:xfrm>
-            <a:off x="14705687" y="2961384"/>
-            <a:ext cx="418120" cy="418120"/>
-            <a:chOff x="14705687" y="2961384"/>
-            <a:chExt cx="418120" cy="418120"/>
-          </a:xfrm>
-        </p:grpSpPr>
-        <p:pic>
-          <p:nvPicPr>
-            <p:cNvPr id="23" name="Object 22"/>
-            <p:cNvPicPr>
-              <a:picLocks noChangeAspect="1"/>
-            </p:cNvPicPr>
-            <p:nvPr/>
-          </p:nvPicPr>
-          <p:blipFill>
-            <a:blip r:embed="rId10" cstate="print"/>
-            <a:stretch>
-              <a:fillRect/>
-            </a:stretch>
-          </p:blipFill>
-          <p:spPr>
-            <a:xfrm rot="1380000">
-              <a:off x="14705687" y="2961384"/>
-              <a:ext cx="418120" cy="418120"/>
-            </a:xfrm>
-            <a:prstGeom prst="rect">
-              <a:avLst/>
-            </a:prstGeom>
-          </p:spPr>
-        </p:pic>
-      </p:grpSp>
-      <p:pic>
-        <p:nvPicPr>
-          <p:cNvPr id="25" name="Object 24"/>
-          <p:cNvPicPr>
-            <a:picLocks noChangeAspect="1"/>
-          </p:cNvPicPr>
-          <p:nvPr/>
-        </p:nvPicPr>
-        <p:blipFill>
-          <a:blip r:embed="rId11" cstate="print"/>
-          <a:stretch>
-            <a:fillRect/>
-          </a:stretch>
-        </p:blipFill>
-        <p:spPr>
-          <a:xfrm>
-            <a:off x="7160498" y="4678002"/>
-            <a:ext cx="7928482" cy="1950425"/>
+            <a:off x="7160498" y="5211336"/>
+            <a:ext cx="6386409" cy="2537680"/>
           </a:xfrm>
           <a:prstGeom prst="rect">
             <a:avLst/>
@@ -6565,8 +6478,8 @@
         </p:blipFill>
         <p:spPr>
           <a:xfrm>
-            <a:off x="2630740" y="1066664"/>
-            <a:ext cx="11800620" cy="3980305"/>
+            <a:off x="2630742" y="1066666"/>
+            <a:ext cx="11800597" cy="3805158"/>
           </a:xfrm>
           <a:prstGeom prst="rect">
             <a:avLst/>
@@ -6682,7 +6595,7 @@
           <p:spPr>
             <a:xfrm>
               <a:off x="7451730" y="306994"/>
-              <a:ext cx="3608927" cy="1200973"/>
+              <a:ext cx="3555686" cy="1049350"/>
             </a:xfrm>
             <a:prstGeom prst="rect">
               <a:avLst/>
@@ -6698,10 +6611,10 @@
         </p:nvGrpSpPr>
         <p:grpSpPr>
           <a:xfrm>
-            <a:off x="1612413" y="4096159"/>
-            <a:ext cx="9579799" cy="5887875"/>
-            <a:chOff x="1612413" y="4096159"/>
-            <a:chExt cx="9579799" cy="5887875"/>
+            <a:off x="5001676" y="3973462"/>
+            <a:ext cx="8282362" cy="5090452"/>
+            <a:chOff x="5001676" y="3973462"/>
+            <a:chExt cx="8282362" cy="5090452"/>
           </a:xfrm>
         </p:grpSpPr>
         <p:pic>
@@ -6720,8 +6633,86 @@
           </p:blipFill>
           <p:spPr>
             <a:xfrm>
-              <a:off x="1612413" y="4096159"/>
-              <a:ext cx="9579799" cy="5887875"/>
+              <a:off x="5001676" y="3973462"/>
+              <a:ext cx="8282362" cy="5090452"/>
+            </a:xfrm>
+            <a:prstGeom prst="rect">
+              <a:avLst/>
+            </a:prstGeom>
+          </p:spPr>
+        </p:pic>
+      </p:grpSp>
+      <p:grpSp>
+        <p:nvGrpSpPr>
+          <p:cNvPr id="1006" name="그룹 1006"/>
+          <p:cNvGrpSpPr/>
+          <p:nvPr/>
+        </p:nvGrpSpPr>
+        <p:grpSpPr>
+          <a:xfrm>
+            <a:off x="2779996" y="1674959"/>
+            <a:ext cx="572417" cy="572417"/>
+            <a:chOff x="2779996" y="1674959"/>
+            <a:chExt cx="572417" cy="572417"/>
+          </a:xfrm>
+        </p:grpSpPr>
+        <p:pic>
+          <p:nvPicPr>
+            <p:cNvPr id="19" name="Object 18"/>
+            <p:cNvPicPr>
+              <a:picLocks noChangeAspect="1"/>
+            </p:cNvPicPr>
+            <p:nvPr/>
+          </p:nvPicPr>
+          <p:blipFill>
+            <a:blip r:embed="rId8" cstate="print"/>
+            <a:stretch>
+              <a:fillRect/>
+            </a:stretch>
+          </p:blipFill>
+          <p:spPr>
+            <a:xfrm rot="-1140000">
+              <a:off x="2779996" y="1674959"/>
+              <a:ext cx="572417" cy="572417"/>
+            </a:xfrm>
+            <a:prstGeom prst="rect">
+              <a:avLst/>
+            </a:prstGeom>
+          </p:spPr>
+        </p:pic>
+      </p:grpSp>
+      <p:grpSp>
+        <p:nvGrpSpPr>
+          <p:cNvPr id="1007" name="그룹 1007"/>
+          <p:cNvGrpSpPr/>
+          <p:nvPr/>
+        </p:nvGrpSpPr>
+        <p:grpSpPr>
+          <a:xfrm>
+            <a:off x="14705687" y="2961384"/>
+            <a:ext cx="418120" cy="418120"/>
+            <a:chOff x="14705687" y="2961384"/>
+            <a:chExt cx="418120" cy="418120"/>
+          </a:xfrm>
+        </p:grpSpPr>
+        <p:pic>
+          <p:nvPicPr>
+            <p:cNvPr id="22" name="Object 21"/>
+            <p:cNvPicPr>
+              <a:picLocks noChangeAspect="1"/>
+            </p:cNvPicPr>
+            <p:nvPr/>
+          </p:nvPicPr>
+          <p:blipFill>
+            <a:blip r:embed="rId9" cstate="print"/>
+            <a:stretch>
+              <a:fillRect/>
+            </a:stretch>
+          </p:blipFill>
+          <p:spPr>
+            <a:xfrm rot="1380000">
+              <a:off x="14705687" y="2961384"/>
+              <a:ext cx="418120" cy="418120"/>
             </a:xfrm>
             <a:prstGeom prst="rect">
               <a:avLst/>
@@ -6731,124 +6722,22 @@
       </p:grpSp>
       <p:pic>
         <p:nvPicPr>
-          <p:cNvPr id="18" name="Object 17"/>
+          <p:cNvPr id="24" name="Object 23"/>
           <p:cNvPicPr>
             <a:picLocks noChangeAspect="1"/>
           </p:cNvPicPr>
           <p:nvPr/>
         </p:nvPicPr>
         <p:blipFill>
-          <a:blip r:embed="rId8" cstate="print"/>
+          <a:blip r:embed="rId10" cstate="print"/>
           <a:stretch>
             <a:fillRect/>
           </a:stretch>
         </p:blipFill>
         <p:spPr>
           <a:xfrm>
-            <a:off x="11667907" y="7051012"/>
-            <a:ext cx="2678181" cy="2840310"/>
-          </a:xfrm>
-          <a:prstGeom prst="rect">
-            <a:avLst/>
-          </a:prstGeom>
-        </p:spPr>
-      </p:pic>
-      <p:grpSp>
-        <p:nvGrpSpPr>
-          <p:cNvPr id="1006" name="그룹 1006"/>
-          <p:cNvGrpSpPr/>
-          <p:nvPr/>
-        </p:nvGrpSpPr>
-        <p:grpSpPr>
-          <a:xfrm>
-            <a:off x="2779996" y="1674959"/>
-            <a:ext cx="572417" cy="572417"/>
-            <a:chOff x="2779996" y="1674959"/>
-            <a:chExt cx="572417" cy="572417"/>
-          </a:xfrm>
-        </p:grpSpPr>
-        <p:pic>
-          <p:nvPicPr>
-            <p:cNvPr id="20" name="Object 19"/>
-            <p:cNvPicPr>
-              <a:picLocks noChangeAspect="1"/>
-            </p:cNvPicPr>
-            <p:nvPr/>
-          </p:nvPicPr>
-          <p:blipFill>
-            <a:blip r:embed="rId9" cstate="print"/>
-            <a:stretch>
-              <a:fillRect/>
-            </a:stretch>
-          </p:blipFill>
-          <p:spPr>
-            <a:xfrm rot="-1140000">
-              <a:off x="2779996" y="1674959"/>
-              <a:ext cx="572417" cy="572417"/>
-            </a:xfrm>
-            <a:prstGeom prst="rect">
-              <a:avLst/>
-            </a:prstGeom>
-          </p:spPr>
-        </p:pic>
-      </p:grpSp>
-      <p:grpSp>
-        <p:nvGrpSpPr>
-          <p:cNvPr id="1007" name="그룹 1007"/>
-          <p:cNvGrpSpPr/>
-          <p:nvPr/>
-        </p:nvGrpSpPr>
-        <p:grpSpPr>
-          <a:xfrm>
-            <a:off x="14705687" y="2961384"/>
-            <a:ext cx="418120" cy="418120"/>
-            <a:chOff x="14705687" y="2961384"/>
-            <a:chExt cx="418120" cy="418120"/>
-          </a:xfrm>
-        </p:grpSpPr>
-        <p:pic>
-          <p:nvPicPr>
-            <p:cNvPr id="23" name="Object 22"/>
-            <p:cNvPicPr>
-              <a:picLocks noChangeAspect="1"/>
-            </p:cNvPicPr>
-            <p:nvPr/>
-          </p:nvPicPr>
-          <p:blipFill>
-            <a:blip r:embed="rId10" cstate="print"/>
-            <a:stretch>
-              <a:fillRect/>
-            </a:stretch>
-          </p:blipFill>
-          <p:spPr>
-            <a:xfrm rot="1380000">
-              <a:off x="14705687" y="2961384"/>
-              <a:ext cx="418120" cy="418120"/>
-            </a:xfrm>
-            <a:prstGeom prst="rect">
-              <a:avLst/>
-            </a:prstGeom>
-          </p:spPr>
-        </p:pic>
-      </p:grpSp>
-      <p:pic>
-        <p:nvPicPr>
-          <p:cNvPr id="25" name="Object 24"/>
-          <p:cNvPicPr>
-            <a:picLocks noChangeAspect="1"/>
-          </p:cNvPicPr>
-          <p:nvPr/>
-        </p:nvPicPr>
-        <p:blipFill>
-          <a:blip r:embed="rId11" cstate="print"/>
-          <a:stretch>
-            <a:fillRect/>
-          </a:stretch>
-        </p:blipFill>
-        <p:spPr>
-          <a:xfrm>
-            <a:off x="11667869" y="4257005"/>
-            <a:ext cx="4137341" cy="2681835"/>
+            <a:off x="1506789" y="9150473"/>
+            <a:ext cx="14421718" cy="1074867"/>
           </a:xfrm>
           <a:prstGeom prst="rect">
             <a:avLst/>
@@ -6944,7 +6833,7 @@
         <p:spPr>
           <a:xfrm>
             <a:off x="2630740" y="1066664"/>
-            <a:ext cx="11727647" cy="3980305"/>
+            <a:ext cx="11674577" cy="3805172"/>
           </a:xfrm>
           <a:prstGeom prst="rect">
             <a:avLst/>
@@ -7060,7 +6949,7 @@
           <p:spPr>
             <a:xfrm>
               <a:off x="7451730" y="306994"/>
-              <a:ext cx="3608927" cy="1200973"/>
+              <a:ext cx="3555686" cy="1049350"/>
             </a:xfrm>
             <a:prstGeom prst="rect">
               <a:avLst/>
@@ -7076,9 +6965,9 @@
         </p:nvGrpSpPr>
         <p:grpSpPr>
           <a:xfrm>
-            <a:off x="1327627" y="4564809"/>
+            <a:off x="1202724" y="5586771"/>
             <a:ext cx="8597848" cy="2490848"/>
-            <a:chOff x="1327627" y="4564809"/>
+            <a:chOff x="1202724" y="5586771"/>
             <a:chExt cx="8597848" cy="2490848"/>
           </a:xfrm>
         </p:grpSpPr>
@@ -7098,7 +6987,7 @@
           </p:blipFill>
           <p:spPr>
             <a:xfrm>
-              <a:off x="1327627" y="4564809"/>
+              <a:off x="1202724" y="5586771"/>
               <a:ext cx="8597848" cy="2490848"/>
             </a:xfrm>
             <a:prstGeom prst="rect">
@@ -7201,32 +7090,8 @@
         </p:blipFill>
         <p:spPr>
           <a:xfrm>
-            <a:off x="2051928" y="7408621"/>
-            <a:ext cx="8940266" cy="1950425"/>
-          </a:xfrm>
-          <a:prstGeom prst="rect">
-            <a:avLst/>
-          </a:prstGeom>
-        </p:spPr>
-      </p:pic>
-      <p:pic>
-        <p:nvPicPr>
-          <p:cNvPr id="25" name="Object 24"/>
-          <p:cNvPicPr>
-            <a:picLocks noChangeAspect="1"/>
-          </p:cNvPicPr>
-          <p:nvPr/>
-        </p:nvPicPr>
-        <p:blipFill>
-          <a:blip r:embed="rId11" cstate="print"/>
-          <a:stretch>
-            <a:fillRect/>
-          </a:stretch>
-        </p:blipFill>
-        <p:spPr>
-          <a:xfrm>
-            <a:off x="2051928" y="9158818"/>
-            <a:ext cx="6713129" cy="1219017"/>
+            <a:off x="10071363" y="5216999"/>
+            <a:ext cx="7032501" cy="3253856"/>
           </a:xfrm>
           <a:prstGeom prst="rect">
             <a:avLst/>
@@ -7321,8 +7186,8 @@
         </p:blipFill>
         <p:spPr>
           <a:xfrm>
-            <a:off x="2630740" y="1066664"/>
-            <a:ext cx="9235977" cy="3980305"/>
+            <a:off x="2630741" y="1066665"/>
+            <a:ext cx="12755222" cy="3656570"/>
           </a:xfrm>
           <a:prstGeom prst="rect">
             <a:avLst/>
@@ -7438,7 +7303,7 @@
           <p:spPr>
             <a:xfrm>
               <a:off x="7451730" y="306994"/>
-              <a:ext cx="3608927" cy="1200973"/>
+              <a:ext cx="3555686" cy="1049350"/>
             </a:xfrm>
             <a:prstGeom prst="rect">
               <a:avLst/>
@@ -7540,8 +7405,8 @@
         </p:blipFill>
         <p:spPr>
           <a:xfrm>
-            <a:off x="8812625" y="3745051"/>
-            <a:ext cx="7052010" cy="1950425"/>
+            <a:off x="8565006" y="3745051"/>
+            <a:ext cx="7032506" cy="1824562"/>
           </a:xfrm>
           <a:prstGeom prst="rect">
             <a:avLst/>
@@ -7564,8 +7429,8 @@
         </p:blipFill>
         <p:spPr>
           <a:xfrm>
-            <a:off x="8841521" y="5417201"/>
-            <a:ext cx="8679397" cy="1950425"/>
+            <a:off x="8555807" y="5417201"/>
+            <a:ext cx="8659893" cy="1824562"/>
           </a:xfrm>
           <a:prstGeom prst="rect">
             <a:avLst/>
@@ -7588,8 +7453,8 @@
         </p:blipFill>
         <p:spPr>
           <a:xfrm>
-            <a:off x="8844864" y="7059216"/>
-            <a:ext cx="8868344" cy="2681835"/>
+            <a:off x="8559150" y="7059216"/>
+            <a:ext cx="8848839" cy="2535248"/>
           </a:xfrm>
           <a:prstGeom prst="rect">
             <a:avLst/>
@@ -7723,8 +7588,8 @@
         </p:blipFill>
         <p:spPr>
           <a:xfrm>
-            <a:off x="2630740" y="1066664"/>
-            <a:ext cx="9235977" cy="3980305"/>
+            <a:off x="2630741" y="1066665"/>
+            <a:ext cx="12755222" cy="3656570"/>
           </a:xfrm>
           <a:prstGeom prst="rect">
             <a:avLst/>
@@ -7840,7 +7705,7 @@
           <p:spPr>
             <a:xfrm>
               <a:off x="7451730" y="306994"/>
-              <a:ext cx="3608927" cy="1200973"/>
+              <a:ext cx="3555686" cy="1049350"/>
             </a:xfrm>
             <a:prstGeom prst="rect">
               <a:avLst/>
@@ -7934,10 +7799,10 @@
         </p:nvGrpSpPr>
         <p:grpSpPr>
           <a:xfrm>
-            <a:off x="8556190" y="4246086"/>
-            <a:ext cx="9014743" cy="5501985"/>
-            <a:chOff x="8556190" y="4246086"/>
-            <a:chExt cx="9014743" cy="5501985"/>
+            <a:off x="8365714" y="3960371"/>
+            <a:ext cx="9014743" cy="6241332"/>
+            <a:chOff x="8365714" y="3960371"/>
+            <a:chExt cx="9014743" cy="6241332"/>
           </a:xfrm>
         </p:grpSpPr>
         <p:pic>
@@ -7956,8 +7821,8 @@
           </p:blipFill>
           <p:spPr>
             <a:xfrm>
-              <a:off x="8464764" y="4154660"/>
-              <a:ext cx="4563998" cy="1219016"/>
+              <a:off x="8274288" y="3868945"/>
+              <a:ext cx="4563998" cy="1072429"/>
             </a:xfrm>
             <a:prstGeom prst="rect">
               <a:avLst/>
@@ -7980,8 +7845,8 @@
           </p:blipFill>
           <p:spPr>
             <a:xfrm>
-              <a:off x="8464764" y="5392336"/>
-              <a:ext cx="9077407" cy="1950425"/>
+              <a:off x="8274288" y="5106621"/>
+              <a:ext cx="9058512" cy="1832485"/>
             </a:xfrm>
             <a:prstGeom prst="rect">
               <a:avLst/>
@@ -8004,8 +7869,8 @@
           </p:blipFill>
           <p:spPr>
             <a:xfrm>
-              <a:off x="8464764" y="7351374"/>
-              <a:ext cx="9173098" cy="2681835"/>
+              <a:off x="8274288" y="7065660"/>
+              <a:ext cx="8726933" cy="3266046"/>
             </a:xfrm>
             <a:prstGeom prst="rect">
               <a:avLst/>
